--- a/qqq.pptx
+++ b/qqq.pptx
@@ -827,6 +827,84 @@
               <a:t>简单的说说基本的应用，多人的合作，分支的创建等，大家有兴趣的话下去可自己看看。</a:t>
             </a:r>
             <a:endParaRPr lang="zh-CN" altLang="en-US"/>
+          </a:p>
+          <a:p>
+            <a:r>
+              <a:rPr lang="en-US" altLang="zh-CN"/>
+              <a:t>git  status</a:t>
+            </a:r>
+            <a:endParaRPr lang="en-US" altLang="zh-CN"/>
+          </a:p>
+          <a:p>
+            <a:r>
+              <a:rPr lang="en-US" altLang="zh-CN"/>
+              <a:t>git reset --hard xxx</a:t>
+            </a:r>
+            <a:endParaRPr lang="en-US" altLang="zh-CN"/>
+          </a:p>
+          <a:p>
+            <a:r>
+              <a:rPr lang="en-US" altLang="zh-CN"/>
+              <a:t>git reset  HEAD xxx</a:t>
+            </a:r>
+            <a:endParaRPr lang="en-US" altLang="zh-CN"/>
+          </a:p>
+          <a:p>
+            <a:r>
+              <a:rPr lang="en-US" altLang="zh-CN"/>
+              <a:t>查看分支：git branch</a:t>
+            </a:r>
+            <a:endParaRPr lang="en-US" altLang="zh-CN"/>
+          </a:p>
+          <a:p>
+            <a:endParaRPr lang="en-US" altLang="zh-CN"/>
+          </a:p>
+          <a:p>
+            <a:r>
+              <a:rPr lang="en-US" altLang="zh-CN"/>
+              <a:t>创建分支：git branch &lt;name&gt;</a:t>
+            </a:r>
+            <a:endParaRPr lang="en-US" altLang="zh-CN"/>
+          </a:p>
+          <a:p>
+            <a:endParaRPr lang="en-US" altLang="zh-CN"/>
+          </a:p>
+          <a:p>
+            <a:r>
+              <a:rPr lang="en-US" altLang="zh-CN"/>
+              <a:t>切换分支：git checkout &lt;name&gt;</a:t>
+            </a:r>
+            <a:endParaRPr lang="en-US" altLang="zh-CN"/>
+          </a:p>
+          <a:p>
+            <a:endParaRPr lang="en-US" altLang="zh-CN"/>
+          </a:p>
+          <a:p>
+            <a:r>
+              <a:rPr lang="en-US" altLang="zh-CN"/>
+              <a:t>创建+切换分支：git checkout -b &lt;name&gt;</a:t>
+            </a:r>
+            <a:endParaRPr lang="en-US" altLang="zh-CN"/>
+          </a:p>
+          <a:p>
+            <a:endParaRPr lang="en-US" altLang="zh-CN"/>
+          </a:p>
+          <a:p>
+            <a:r>
+              <a:rPr lang="en-US" altLang="zh-CN"/>
+              <a:t>合并某分支到当前分支：git merge &lt;name&gt;</a:t>
+            </a:r>
+            <a:endParaRPr lang="en-US" altLang="zh-CN"/>
+          </a:p>
+          <a:p>
+            <a:endParaRPr lang="en-US" altLang="zh-CN"/>
+          </a:p>
+          <a:p>
+            <a:r>
+              <a:rPr lang="en-US" altLang="zh-CN"/>
+              <a:t>删除分支：git branch -d &lt;name&gt;</a:t>
+            </a:r>
+            <a:endParaRPr lang="en-US" altLang="zh-CN"/>
           </a:p>
         </p:txBody>
       </p:sp>
@@ -19857,11 +19935,7 @@
             </a:r>
             <a:r>
               <a:rPr lang="zh-CN" altLang="en-US"/>
-              <a:t>运行</a:t>
-            </a:r>
-            <a:r>
-              <a:rPr lang="zh-CN" altLang="en-US"/>
-              <a:t>的容器</a:t>
+              <a:t>运行的容器</a:t>
             </a:r>
             <a:endParaRPr lang="zh-CN" altLang="en-US"/>
           </a:p>
@@ -19911,11 +19985,7 @@
             </a:r>
             <a:r>
               <a:rPr lang="zh-CN" altLang="en-US"/>
-              <a:t>等</a:t>
-            </a:r>
-            <a:r>
-              <a:rPr lang="zh-CN" altLang="en-US"/>
-              <a:t>）</a:t>
+              <a:t>等）</a:t>
             </a:r>
             <a:endParaRPr lang="zh-CN" altLang="en-US"/>
           </a:p>
